--- a/Figures/MergeCluster/ConstK.pptx
+++ b/Figures/MergeCluster/ConstK.pptx
@@ -208,7 +208,7 @@
           <a:p>
             <a:fld id="{FE4DCF00-3990-0448-82D8-96AFC5DCA7B6}" type="datetimeFigureOut">
               <a:rPr lang="en-US" smtClean="0"/>
-              <a:t>2/22/24</a:t>
+              <a:t>2/29/24</a:t>
             </a:fld>
             <a:endParaRPr lang="en-US"/>
           </a:p>
@@ -706,7 +706,7 @@
           <a:p>
             <a:fld id="{A998DA84-98B5-DD46-882D-8C2847B204BE}" type="datetimeFigureOut">
               <a:rPr lang="en-US" smtClean="0"/>
-              <a:t>2/22/24</a:t>
+              <a:t>2/29/24</a:t>
             </a:fld>
             <a:endParaRPr lang="en-US"/>
           </a:p>
@@ -904,7 +904,7 @@
           <a:p>
             <a:fld id="{A998DA84-98B5-DD46-882D-8C2847B204BE}" type="datetimeFigureOut">
               <a:rPr lang="en-US" smtClean="0"/>
-              <a:t>2/22/24</a:t>
+              <a:t>2/29/24</a:t>
             </a:fld>
             <a:endParaRPr lang="en-US"/>
           </a:p>
@@ -1112,7 +1112,7 @@
           <a:p>
             <a:fld id="{A998DA84-98B5-DD46-882D-8C2847B204BE}" type="datetimeFigureOut">
               <a:rPr lang="en-US" smtClean="0"/>
-              <a:t>2/22/24</a:t>
+              <a:t>2/29/24</a:t>
             </a:fld>
             <a:endParaRPr lang="en-US"/>
           </a:p>
@@ -1310,7 +1310,7 @@
           <a:p>
             <a:fld id="{A998DA84-98B5-DD46-882D-8C2847B204BE}" type="datetimeFigureOut">
               <a:rPr lang="en-US" smtClean="0"/>
-              <a:t>2/22/24</a:t>
+              <a:t>2/29/24</a:t>
             </a:fld>
             <a:endParaRPr lang="en-US"/>
           </a:p>
@@ -1585,7 +1585,7 @@
           <a:p>
             <a:fld id="{A998DA84-98B5-DD46-882D-8C2847B204BE}" type="datetimeFigureOut">
               <a:rPr lang="en-US" smtClean="0"/>
-              <a:t>2/22/24</a:t>
+              <a:t>2/29/24</a:t>
             </a:fld>
             <a:endParaRPr lang="en-US"/>
           </a:p>
@@ -1850,7 +1850,7 @@
           <a:p>
             <a:fld id="{A998DA84-98B5-DD46-882D-8C2847B204BE}" type="datetimeFigureOut">
               <a:rPr lang="en-US" smtClean="0"/>
-              <a:t>2/22/24</a:t>
+              <a:t>2/29/24</a:t>
             </a:fld>
             <a:endParaRPr lang="en-US"/>
           </a:p>
@@ -2262,7 +2262,7 @@
           <a:p>
             <a:fld id="{A998DA84-98B5-DD46-882D-8C2847B204BE}" type="datetimeFigureOut">
               <a:rPr lang="en-US" smtClean="0"/>
-              <a:t>2/22/24</a:t>
+              <a:t>2/29/24</a:t>
             </a:fld>
             <a:endParaRPr lang="en-US"/>
           </a:p>
@@ -2403,7 +2403,7 @@
           <a:p>
             <a:fld id="{A998DA84-98B5-DD46-882D-8C2847B204BE}" type="datetimeFigureOut">
               <a:rPr lang="en-US" smtClean="0"/>
-              <a:t>2/22/24</a:t>
+              <a:t>2/29/24</a:t>
             </a:fld>
             <a:endParaRPr lang="en-US"/>
           </a:p>
@@ -2516,7 +2516,7 @@
           <a:p>
             <a:fld id="{A998DA84-98B5-DD46-882D-8C2847B204BE}" type="datetimeFigureOut">
               <a:rPr lang="en-US" smtClean="0"/>
-              <a:t>2/22/24</a:t>
+              <a:t>2/29/24</a:t>
             </a:fld>
             <a:endParaRPr lang="en-US"/>
           </a:p>
@@ -2827,7 +2827,7 @@
           <a:p>
             <a:fld id="{A998DA84-98B5-DD46-882D-8C2847B204BE}" type="datetimeFigureOut">
               <a:rPr lang="en-US" smtClean="0"/>
-              <a:t>2/22/24</a:t>
+              <a:t>2/29/24</a:t>
             </a:fld>
             <a:endParaRPr lang="en-US"/>
           </a:p>
@@ -3115,7 +3115,7 @@
           <a:p>
             <a:fld id="{A998DA84-98B5-DD46-882D-8C2847B204BE}" type="datetimeFigureOut">
               <a:rPr lang="en-US" smtClean="0"/>
-              <a:t>2/22/24</a:t>
+              <a:t>2/29/24</a:t>
             </a:fld>
             <a:endParaRPr lang="en-US"/>
           </a:p>
@@ -3356,7 +3356,7 @@
           <a:p>
             <a:fld id="{A998DA84-98B5-DD46-882D-8C2847B204BE}" type="datetimeFigureOut">
               <a:rPr lang="en-US" smtClean="0"/>
-              <a:t>2/22/24</a:t>
+              <a:t>2/29/24</a:t>
             </a:fld>
             <a:endParaRPr lang="en-US"/>
           </a:p>
@@ -3795,6 +3795,8 @@
           </a:prstGeom>
           <a:solidFill>
             <a:schemeClr val="accent2">
+              <a:lumMod val="60000"/>
+              <a:lumOff val="40000"/>
               <a:alpha val="50000"/>
             </a:schemeClr>
           </a:solidFill>
@@ -3846,7 +3848,115 @@
             <a:avLst/>
           </a:prstGeom>
           <a:solidFill>
-            <a:schemeClr val="accent1">
+            <a:schemeClr val="accent4">
+              <a:lumMod val="50000"/>
+              <a:alpha val="70057"/>
+            </a:schemeClr>
+          </a:solidFill>
+          <a:ln>
+            <a:noFill/>
+          </a:ln>
+        </p:spPr>
+        <p:style>
+          <a:lnRef idx="0">
+            <a:scrgbClr r="0" g="0" b="0"/>
+          </a:lnRef>
+          <a:fillRef idx="0">
+            <a:scrgbClr r="0" g="0" b="0"/>
+          </a:fillRef>
+          <a:effectRef idx="0">
+            <a:scrgbClr r="0" g="0" b="0"/>
+          </a:effectRef>
+          <a:fontRef idx="minor">
+            <a:schemeClr val="lt1"/>
+          </a:fontRef>
+        </p:style>
+        <p:txBody>
+          <a:bodyPr rtlCol="0" anchor="ctr"/>
+          <a:lstStyle/>
+          <a:p>
+            <a:pPr algn="ctr"/>
+            <a:endParaRPr lang="en-US"/>
+          </a:p>
+        </p:txBody>
+      </p:sp>
+      <p:sp>
+        <p:nvSpPr>
+          <p:cNvPr id="13" name="Oval 12">
+            <a:extLst>
+              <a:ext uri="{FF2B5EF4-FFF2-40B4-BE49-F238E27FC236}">
+                <a16:creationId xmlns:a16="http://schemas.microsoft.com/office/drawing/2014/main" id="{18149C80-7B0A-FF74-45F3-CAB013B3A1DA}"/>
+              </a:ext>
+            </a:extLst>
+          </p:cNvPr>
+          <p:cNvSpPr/>
+          <p:nvPr/>
+        </p:nvSpPr>
+        <p:spPr>
+          <a:xfrm>
+            <a:off x="3097958" y="1938956"/>
+            <a:ext cx="1658679" cy="776177"/>
+          </a:xfrm>
+          <a:prstGeom prst="ellipse">
+            <a:avLst/>
+          </a:prstGeom>
+          <a:solidFill>
+            <a:schemeClr val="accent4">
+              <a:lumMod val="50000"/>
+              <a:alpha val="70057"/>
+            </a:schemeClr>
+          </a:solidFill>
+          <a:ln>
+            <a:noFill/>
+          </a:ln>
+        </p:spPr>
+        <p:style>
+          <a:lnRef idx="0">
+            <a:scrgbClr r="0" g="0" b="0"/>
+          </a:lnRef>
+          <a:fillRef idx="0">
+            <a:scrgbClr r="0" g="0" b="0"/>
+          </a:fillRef>
+          <a:effectRef idx="0">
+            <a:scrgbClr r="0" g="0" b="0"/>
+          </a:effectRef>
+          <a:fontRef idx="minor">
+            <a:schemeClr val="lt1"/>
+          </a:fontRef>
+        </p:style>
+        <p:txBody>
+          <a:bodyPr rtlCol="0" anchor="ctr"/>
+          <a:lstStyle/>
+          <a:p>
+            <a:pPr algn="ctr"/>
+            <a:endParaRPr lang="en-US"/>
+          </a:p>
+        </p:txBody>
+      </p:sp>
+      <p:sp>
+        <p:nvSpPr>
+          <p:cNvPr id="14" name="Oval 13">
+            <a:extLst>
+              <a:ext uri="{FF2B5EF4-FFF2-40B4-BE49-F238E27FC236}">
+                <a16:creationId xmlns:a16="http://schemas.microsoft.com/office/drawing/2014/main" id="{6B94CCF3-2435-09A3-A7D1-8C6F4A0ECA6E}"/>
+              </a:ext>
+            </a:extLst>
+          </p:cNvPr>
+          <p:cNvSpPr/>
+          <p:nvPr/>
+        </p:nvSpPr>
+        <p:spPr>
+          <a:xfrm>
+            <a:off x="3095744" y="1095794"/>
+            <a:ext cx="1658679" cy="776177"/>
+          </a:xfrm>
+          <a:prstGeom prst="ellipse">
+            <a:avLst/>
+          </a:prstGeom>
+          <a:solidFill>
+            <a:schemeClr val="accent2">
+              <a:lumMod val="60000"/>
+              <a:lumOff val="40000"/>
               <a:alpha val="50000"/>
             </a:schemeClr>
           </a:solidFill>
@@ -3879,110 +3989,6 @@
       </p:sp>
       <p:sp>
         <p:nvSpPr>
-          <p:cNvPr id="13" name="Oval 12">
-            <a:extLst>
-              <a:ext uri="{FF2B5EF4-FFF2-40B4-BE49-F238E27FC236}">
-                <a16:creationId xmlns:a16="http://schemas.microsoft.com/office/drawing/2014/main" id="{18149C80-7B0A-FF74-45F3-CAB013B3A1DA}"/>
-              </a:ext>
-            </a:extLst>
-          </p:cNvPr>
-          <p:cNvSpPr/>
-          <p:nvPr/>
-        </p:nvSpPr>
-        <p:spPr>
-          <a:xfrm>
-            <a:off x="3097958" y="1938956"/>
-            <a:ext cx="1658679" cy="776177"/>
-          </a:xfrm>
-          <a:prstGeom prst="ellipse">
-            <a:avLst/>
-          </a:prstGeom>
-          <a:solidFill>
-            <a:schemeClr val="accent1">
-              <a:alpha val="50000"/>
-            </a:schemeClr>
-          </a:solidFill>
-          <a:ln>
-            <a:noFill/>
-          </a:ln>
-        </p:spPr>
-        <p:style>
-          <a:lnRef idx="0">
-            <a:scrgbClr r="0" g="0" b="0"/>
-          </a:lnRef>
-          <a:fillRef idx="0">
-            <a:scrgbClr r="0" g="0" b="0"/>
-          </a:fillRef>
-          <a:effectRef idx="0">
-            <a:scrgbClr r="0" g="0" b="0"/>
-          </a:effectRef>
-          <a:fontRef idx="minor">
-            <a:schemeClr val="lt1"/>
-          </a:fontRef>
-        </p:style>
-        <p:txBody>
-          <a:bodyPr rtlCol="0" anchor="ctr"/>
-          <a:lstStyle/>
-          <a:p>
-            <a:pPr algn="ctr"/>
-            <a:endParaRPr lang="en-US"/>
-          </a:p>
-        </p:txBody>
-      </p:sp>
-      <p:sp>
-        <p:nvSpPr>
-          <p:cNvPr id="14" name="Oval 13">
-            <a:extLst>
-              <a:ext uri="{FF2B5EF4-FFF2-40B4-BE49-F238E27FC236}">
-                <a16:creationId xmlns:a16="http://schemas.microsoft.com/office/drawing/2014/main" id="{6B94CCF3-2435-09A3-A7D1-8C6F4A0ECA6E}"/>
-              </a:ext>
-            </a:extLst>
-          </p:cNvPr>
-          <p:cNvSpPr/>
-          <p:nvPr/>
-        </p:nvSpPr>
-        <p:spPr>
-          <a:xfrm>
-            <a:off x="3095744" y="1095794"/>
-            <a:ext cx="1658679" cy="776177"/>
-          </a:xfrm>
-          <a:prstGeom prst="ellipse">
-            <a:avLst/>
-          </a:prstGeom>
-          <a:solidFill>
-            <a:schemeClr val="accent2">
-              <a:alpha val="50000"/>
-            </a:schemeClr>
-          </a:solidFill>
-          <a:ln>
-            <a:noFill/>
-          </a:ln>
-        </p:spPr>
-        <p:style>
-          <a:lnRef idx="0">
-            <a:scrgbClr r="0" g="0" b="0"/>
-          </a:lnRef>
-          <a:fillRef idx="0">
-            <a:scrgbClr r="0" g="0" b="0"/>
-          </a:fillRef>
-          <a:effectRef idx="0">
-            <a:scrgbClr r="0" g="0" b="0"/>
-          </a:effectRef>
-          <a:fontRef idx="minor">
-            <a:schemeClr val="lt1"/>
-          </a:fontRef>
-        </p:style>
-        <p:txBody>
-          <a:bodyPr rtlCol="0" anchor="ctr"/>
-          <a:lstStyle/>
-          <a:p>
-            <a:pPr algn="ctr"/>
-            <a:endParaRPr lang="en-US"/>
-          </a:p>
-        </p:txBody>
-      </p:sp>
-      <p:sp>
-        <p:nvSpPr>
           <p:cNvPr id="4" name="Oval 3">
             <a:extLst>
               <a:ext uri="{FF2B5EF4-FFF2-40B4-BE49-F238E27FC236}">
@@ -4001,100 +4007,10 @@
           <a:prstGeom prst="ellipse">
             <a:avLst/>
           </a:prstGeom>
-        </p:spPr>
-        <p:style>
-          <a:lnRef idx="2">
-            <a:schemeClr val="accent1">
-              <a:shade val="15000"/>
+          <a:solidFill>
+            <a:schemeClr val="accent4">
+              <a:lumMod val="50000"/>
             </a:schemeClr>
-          </a:lnRef>
-          <a:fillRef idx="1">
-            <a:schemeClr val="accent1"/>
-          </a:fillRef>
-          <a:effectRef idx="0">
-            <a:schemeClr val="accent1"/>
-          </a:effectRef>
-          <a:fontRef idx="minor">
-            <a:schemeClr val="lt1"/>
-          </a:fontRef>
-        </p:style>
-        <p:txBody>
-          <a:bodyPr rtlCol="0" anchor="ctr"/>
-          <a:lstStyle/>
-          <a:p>
-            <a:pPr algn="ctr"/>
-            <a:endParaRPr lang="en-US"/>
-          </a:p>
-        </p:txBody>
-      </p:sp>
-      <p:sp>
-        <p:nvSpPr>
-          <p:cNvPr id="5" name="Oval 4">
-            <a:extLst>
-              <a:ext uri="{FF2B5EF4-FFF2-40B4-BE49-F238E27FC236}">
-                <a16:creationId xmlns:a16="http://schemas.microsoft.com/office/drawing/2014/main" id="{3BDD37AC-0DBA-D831-9F81-1DE40164F2F4}"/>
-              </a:ext>
-            </a:extLst>
-          </p:cNvPr>
-          <p:cNvSpPr/>
-          <p:nvPr/>
-        </p:nvSpPr>
-        <p:spPr>
-          <a:xfrm>
-            <a:off x="4315305" y="2229284"/>
-            <a:ext cx="186152" cy="186152"/>
-          </a:xfrm>
-          <a:prstGeom prst="ellipse">
-            <a:avLst/>
-          </a:prstGeom>
-        </p:spPr>
-        <p:style>
-          <a:lnRef idx="2">
-            <a:schemeClr val="accent1">
-              <a:shade val="15000"/>
-            </a:schemeClr>
-          </a:lnRef>
-          <a:fillRef idx="1">
-            <a:schemeClr val="accent1"/>
-          </a:fillRef>
-          <a:effectRef idx="0">
-            <a:schemeClr val="accent1"/>
-          </a:effectRef>
-          <a:fontRef idx="minor">
-            <a:schemeClr val="lt1"/>
-          </a:fontRef>
-        </p:style>
-        <p:txBody>
-          <a:bodyPr rtlCol="0" anchor="ctr"/>
-          <a:lstStyle/>
-          <a:p>
-            <a:pPr algn="ctr"/>
-            <a:endParaRPr lang="en-US"/>
-          </a:p>
-        </p:txBody>
-      </p:sp>
-      <p:sp>
-        <p:nvSpPr>
-          <p:cNvPr id="8" name="Oval 7">
-            <a:extLst>
-              <a:ext uri="{FF2B5EF4-FFF2-40B4-BE49-F238E27FC236}">
-                <a16:creationId xmlns:a16="http://schemas.microsoft.com/office/drawing/2014/main" id="{761E5F56-5DA7-6DA8-98EF-1EA895E621ED}"/>
-              </a:ext>
-            </a:extLst>
-          </p:cNvPr>
-          <p:cNvSpPr/>
-          <p:nvPr/>
-        </p:nvSpPr>
-        <p:spPr>
-          <a:xfrm>
-            <a:off x="3439817" y="1390923"/>
-            <a:ext cx="186152" cy="186152"/>
-          </a:xfrm>
-          <a:prstGeom prst="ellipse">
-            <a:avLst/>
-          </a:prstGeom>
-          <a:solidFill>
-            <a:schemeClr val="accent2"/>
           </a:solidFill>
         </p:spPr>
         <p:style>
@@ -4124,6 +4040,109 @@
       </p:sp>
       <p:sp>
         <p:nvSpPr>
+          <p:cNvPr id="5" name="Oval 4">
+            <a:extLst>
+              <a:ext uri="{FF2B5EF4-FFF2-40B4-BE49-F238E27FC236}">
+                <a16:creationId xmlns:a16="http://schemas.microsoft.com/office/drawing/2014/main" id="{3BDD37AC-0DBA-D831-9F81-1DE40164F2F4}"/>
+              </a:ext>
+            </a:extLst>
+          </p:cNvPr>
+          <p:cNvSpPr/>
+          <p:nvPr/>
+        </p:nvSpPr>
+        <p:spPr>
+          <a:xfrm>
+            <a:off x="4315305" y="2229284"/>
+            <a:ext cx="186152" cy="186152"/>
+          </a:xfrm>
+          <a:prstGeom prst="ellipse">
+            <a:avLst/>
+          </a:prstGeom>
+          <a:solidFill>
+            <a:schemeClr val="accent4">
+              <a:lumMod val="50000"/>
+            </a:schemeClr>
+          </a:solidFill>
+        </p:spPr>
+        <p:style>
+          <a:lnRef idx="2">
+            <a:schemeClr val="accent1">
+              <a:shade val="15000"/>
+            </a:schemeClr>
+          </a:lnRef>
+          <a:fillRef idx="1">
+            <a:schemeClr val="accent1"/>
+          </a:fillRef>
+          <a:effectRef idx="0">
+            <a:schemeClr val="accent1"/>
+          </a:effectRef>
+          <a:fontRef idx="minor">
+            <a:schemeClr val="lt1"/>
+          </a:fontRef>
+        </p:style>
+        <p:txBody>
+          <a:bodyPr rtlCol="0" anchor="ctr"/>
+          <a:lstStyle/>
+          <a:p>
+            <a:pPr algn="ctr"/>
+            <a:endParaRPr lang="en-US"/>
+          </a:p>
+        </p:txBody>
+      </p:sp>
+      <p:sp>
+        <p:nvSpPr>
+          <p:cNvPr id="8" name="Oval 7">
+            <a:extLst>
+              <a:ext uri="{FF2B5EF4-FFF2-40B4-BE49-F238E27FC236}">
+                <a16:creationId xmlns:a16="http://schemas.microsoft.com/office/drawing/2014/main" id="{761E5F56-5DA7-6DA8-98EF-1EA895E621ED}"/>
+              </a:ext>
+            </a:extLst>
+          </p:cNvPr>
+          <p:cNvSpPr/>
+          <p:nvPr/>
+        </p:nvSpPr>
+        <p:spPr>
+          <a:xfrm>
+            <a:off x="3439817" y="1390923"/>
+            <a:ext cx="186152" cy="186152"/>
+          </a:xfrm>
+          <a:prstGeom prst="ellipse">
+            <a:avLst/>
+          </a:prstGeom>
+          <a:solidFill>
+            <a:schemeClr val="accent2">
+              <a:lumMod val="60000"/>
+              <a:lumOff val="40000"/>
+            </a:schemeClr>
+          </a:solidFill>
+        </p:spPr>
+        <p:style>
+          <a:lnRef idx="2">
+            <a:schemeClr val="accent1">
+              <a:shade val="15000"/>
+            </a:schemeClr>
+          </a:lnRef>
+          <a:fillRef idx="1">
+            <a:schemeClr val="accent1"/>
+          </a:fillRef>
+          <a:effectRef idx="0">
+            <a:schemeClr val="accent1"/>
+          </a:effectRef>
+          <a:fontRef idx="minor">
+            <a:schemeClr val="lt1"/>
+          </a:fontRef>
+        </p:style>
+        <p:txBody>
+          <a:bodyPr rtlCol="0" anchor="ctr"/>
+          <a:lstStyle/>
+          <a:p>
+            <a:pPr algn="ctr"/>
+            <a:endParaRPr lang="en-US"/>
+          </a:p>
+        </p:txBody>
+      </p:sp>
+      <p:sp>
+        <p:nvSpPr>
           <p:cNvPr id="9" name="Oval 8">
             <a:extLst>
               <a:ext uri="{FF2B5EF4-FFF2-40B4-BE49-F238E27FC236}">
@@ -4143,7 +4162,10 @@
             <a:avLst/>
           </a:prstGeom>
           <a:solidFill>
-            <a:schemeClr val="accent2"/>
+            <a:schemeClr val="accent2">
+              <a:lumMod val="60000"/>
+              <a:lumOff val="40000"/>
+            </a:schemeClr>
           </a:solidFill>
         </p:spPr>
         <p:style>
@@ -4242,7 +4264,10 @@
             <a:avLst/>
           </a:prstGeom>
           <a:solidFill>
-            <a:schemeClr val="accent2"/>
+            <a:schemeClr val="accent2">
+              <a:lumMod val="60000"/>
+              <a:lumOff val="40000"/>
+            </a:schemeClr>
           </a:solidFill>
         </p:spPr>
         <p:style>
@@ -4291,7 +4316,9 @@
             <a:avLst/>
           </a:prstGeom>
           <a:solidFill>
-            <a:schemeClr val="accent1"/>
+            <a:schemeClr val="accent4">
+              <a:lumMod val="50000"/>
+            </a:schemeClr>
           </a:solidFill>
         </p:spPr>
         <p:style>
@@ -4693,7 +4720,62 @@
             <a:avLst/>
           </a:prstGeom>
           <a:solidFill>
-            <a:schemeClr val="accent1">
+            <a:schemeClr val="accent4">
+              <a:lumMod val="50000"/>
+              <a:alpha val="70057"/>
+            </a:schemeClr>
+          </a:solidFill>
+          <a:ln>
+            <a:noFill/>
+          </a:ln>
+        </p:spPr>
+        <p:style>
+          <a:lnRef idx="0">
+            <a:scrgbClr r="0" g="0" b="0"/>
+          </a:lnRef>
+          <a:fillRef idx="0">
+            <a:scrgbClr r="0" g="0" b="0"/>
+          </a:fillRef>
+          <a:effectRef idx="0">
+            <a:scrgbClr r="0" g="0" b="0"/>
+          </a:effectRef>
+          <a:fontRef idx="minor">
+            <a:schemeClr val="lt1"/>
+          </a:fontRef>
+        </p:style>
+        <p:txBody>
+          <a:bodyPr rtlCol="0" anchor="ctr"/>
+          <a:lstStyle/>
+          <a:p>
+            <a:pPr algn="ctr"/>
+            <a:endParaRPr lang="en-US"/>
+          </a:p>
+        </p:txBody>
+      </p:sp>
+      <p:sp>
+        <p:nvSpPr>
+          <p:cNvPr id="46" name="Oval 45">
+            <a:extLst>
+              <a:ext uri="{FF2B5EF4-FFF2-40B4-BE49-F238E27FC236}">
+                <a16:creationId xmlns:a16="http://schemas.microsoft.com/office/drawing/2014/main" id="{10D9A47E-1B2C-6D69-3B2F-EB8D521FE099}"/>
+              </a:ext>
+            </a:extLst>
+          </p:cNvPr>
+          <p:cNvSpPr/>
+          <p:nvPr/>
+        </p:nvSpPr>
+        <p:spPr>
+          <a:xfrm>
+            <a:off x="6675917" y="1095794"/>
+            <a:ext cx="1658679" cy="1619339"/>
+          </a:xfrm>
+          <a:prstGeom prst="ellipse">
+            <a:avLst/>
+          </a:prstGeom>
+          <a:solidFill>
+            <a:schemeClr val="accent2">
+              <a:lumMod val="60000"/>
+              <a:lumOff val="40000"/>
               <a:alpha val="50000"/>
             </a:schemeClr>
           </a:solidFill>
@@ -4720,59 +4802,7 @@
           <a:lstStyle/>
           <a:p>
             <a:pPr algn="ctr"/>
-            <a:endParaRPr lang="en-US"/>
-          </a:p>
-        </p:txBody>
-      </p:sp>
-      <p:sp>
-        <p:nvSpPr>
-          <p:cNvPr id="46" name="Oval 45">
-            <a:extLst>
-              <a:ext uri="{FF2B5EF4-FFF2-40B4-BE49-F238E27FC236}">
-                <a16:creationId xmlns:a16="http://schemas.microsoft.com/office/drawing/2014/main" id="{10D9A47E-1B2C-6D69-3B2F-EB8D521FE099}"/>
-              </a:ext>
-            </a:extLst>
-          </p:cNvPr>
-          <p:cNvSpPr/>
-          <p:nvPr/>
-        </p:nvSpPr>
-        <p:spPr>
-          <a:xfrm>
-            <a:off x="6675917" y="1095794"/>
-            <a:ext cx="1658679" cy="1619339"/>
-          </a:xfrm>
-          <a:prstGeom prst="ellipse">
-            <a:avLst/>
-          </a:prstGeom>
-          <a:solidFill>
-            <a:schemeClr val="accent2">
-              <a:alpha val="50000"/>
-            </a:schemeClr>
-          </a:solidFill>
-          <a:ln>
-            <a:noFill/>
-          </a:ln>
-        </p:spPr>
-        <p:style>
-          <a:lnRef idx="0">
-            <a:scrgbClr r="0" g="0" b="0"/>
-          </a:lnRef>
-          <a:fillRef idx="0">
-            <a:scrgbClr r="0" g="0" b="0"/>
-          </a:fillRef>
-          <a:effectRef idx="0">
-            <a:scrgbClr r="0" g="0" b="0"/>
-          </a:effectRef>
-          <a:fontRef idx="minor">
-            <a:schemeClr val="lt1"/>
-          </a:fontRef>
-        </p:style>
-        <p:txBody>
-          <a:bodyPr rtlCol="0" anchor="ctr"/>
-          <a:lstStyle/>
-          <a:p>
-            <a:pPr algn="ctr"/>
-            <a:endParaRPr lang="en-US"/>
+            <a:endParaRPr lang="en-US" dirty="0"/>
           </a:p>
         </p:txBody>
       </p:sp>
@@ -4796,100 +4826,10 @@
           <a:prstGeom prst="ellipse">
             <a:avLst/>
           </a:prstGeom>
-        </p:spPr>
-        <p:style>
-          <a:lnRef idx="2">
-            <a:schemeClr val="accent1">
-              <a:shade val="15000"/>
+          <a:solidFill>
+            <a:schemeClr val="accent4">
+              <a:lumMod val="50000"/>
             </a:schemeClr>
-          </a:lnRef>
-          <a:fillRef idx="1">
-            <a:schemeClr val="accent1"/>
-          </a:fillRef>
-          <a:effectRef idx="0">
-            <a:schemeClr val="accent1"/>
-          </a:effectRef>
-          <a:fontRef idx="minor">
-            <a:schemeClr val="lt1"/>
-          </a:fontRef>
-        </p:style>
-        <p:txBody>
-          <a:bodyPr rtlCol="0" anchor="ctr"/>
-          <a:lstStyle/>
-          <a:p>
-            <a:pPr algn="ctr"/>
-            <a:endParaRPr lang="en-US"/>
-          </a:p>
-        </p:txBody>
-      </p:sp>
-      <p:sp>
-        <p:nvSpPr>
-          <p:cNvPr id="48" name="Oval 47">
-            <a:extLst>
-              <a:ext uri="{FF2B5EF4-FFF2-40B4-BE49-F238E27FC236}">
-                <a16:creationId xmlns:a16="http://schemas.microsoft.com/office/drawing/2014/main" id="{49AF9671-3179-63E5-4105-191B1A655015}"/>
-              </a:ext>
-            </a:extLst>
-          </p:cNvPr>
-          <p:cNvSpPr/>
-          <p:nvPr/>
-        </p:nvSpPr>
-        <p:spPr>
-          <a:xfrm>
-            <a:off x="7895478" y="2229284"/>
-            <a:ext cx="186152" cy="186152"/>
-          </a:xfrm>
-          <a:prstGeom prst="ellipse">
-            <a:avLst/>
-          </a:prstGeom>
-        </p:spPr>
-        <p:style>
-          <a:lnRef idx="2">
-            <a:schemeClr val="accent1">
-              <a:shade val="15000"/>
-            </a:schemeClr>
-          </a:lnRef>
-          <a:fillRef idx="1">
-            <a:schemeClr val="accent1"/>
-          </a:fillRef>
-          <a:effectRef idx="0">
-            <a:schemeClr val="accent1"/>
-          </a:effectRef>
-          <a:fontRef idx="minor">
-            <a:schemeClr val="lt1"/>
-          </a:fontRef>
-        </p:style>
-        <p:txBody>
-          <a:bodyPr rtlCol="0" anchor="ctr"/>
-          <a:lstStyle/>
-          <a:p>
-            <a:pPr algn="ctr"/>
-            <a:endParaRPr lang="en-US"/>
-          </a:p>
-        </p:txBody>
-      </p:sp>
-      <p:sp>
-        <p:nvSpPr>
-          <p:cNvPr id="50" name="Oval 49">
-            <a:extLst>
-              <a:ext uri="{FF2B5EF4-FFF2-40B4-BE49-F238E27FC236}">
-                <a16:creationId xmlns:a16="http://schemas.microsoft.com/office/drawing/2014/main" id="{0E1199DD-BE4E-2830-F7BD-7C855C3CE14F}"/>
-              </a:ext>
-            </a:extLst>
-          </p:cNvPr>
-          <p:cNvSpPr/>
-          <p:nvPr/>
-        </p:nvSpPr>
-        <p:spPr>
-          <a:xfrm>
-            <a:off x="7019990" y="1390923"/>
-            <a:ext cx="186152" cy="186152"/>
-          </a:xfrm>
-          <a:prstGeom prst="ellipse">
-            <a:avLst/>
-          </a:prstGeom>
-          <a:solidFill>
-            <a:schemeClr val="accent2"/>
           </a:solidFill>
         </p:spPr>
         <p:style>
@@ -4919,10 +4859,10 @@
       </p:sp>
       <p:sp>
         <p:nvSpPr>
-          <p:cNvPr id="51" name="Oval 50">
-            <a:extLst>
-              <a:ext uri="{FF2B5EF4-FFF2-40B4-BE49-F238E27FC236}">
-                <a16:creationId xmlns:a16="http://schemas.microsoft.com/office/drawing/2014/main" id="{F7B95374-FC11-685E-59E6-1434DB0F0D21}"/>
+          <p:cNvPr id="48" name="Oval 47">
+            <a:extLst>
+              <a:ext uri="{FF2B5EF4-FFF2-40B4-BE49-F238E27FC236}">
+                <a16:creationId xmlns:a16="http://schemas.microsoft.com/office/drawing/2014/main" id="{49AF9671-3179-63E5-4105-191B1A655015}"/>
               </a:ext>
             </a:extLst>
           </p:cNvPr>
@@ -4931,14 +4871,16 @@
         </p:nvSpPr>
         <p:spPr>
           <a:xfrm>
-            <a:off x="7838328" y="1389740"/>
+            <a:off x="7895478" y="2229284"/>
             <a:ext cx="186152" cy="186152"/>
           </a:xfrm>
           <a:prstGeom prst="ellipse">
             <a:avLst/>
           </a:prstGeom>
           <a:solidFill>
-            <a:schemeClr val="accent2"/>
+            <a:schemeClr val="accent4">
+              <a:lumMod val="50000"/>
+            </a:schemeClr>
           </a:solidFill>
         </p:spPr>
         <p:style>
@@ -4968,10 +4910,10 @@
       </p:sp>
       <p:sp>
         <p:nvSpPr>
-          <p:cNvPr id="52" name="Oval 51">
-            <a:extLst>
-              <a:ext uri="{FF2B5EF4-FFF2-40B4-BE49-F238E27FC236}">
-                <a16:creationId xmlns:a16="http://schemas.microsoft.com/office/drawing/2014/main" id="{8C115295-F0DA-FAB6-67FF-6F66757A1ECD}"/>
+          <p:cNvPr id="50" name="Oval 49">
+            <a:extLst>
+              <a:ext uri="{FF2B5EF4-FFF2-40B4-BE49-F238E27FC236}">
+                <a16:creationId xmlns:a16="http://schemas.microsoft.com/office/drawing/2014/main" id="{0E1199DD-BE4E-2830-F7BD-7C855C3CE14F}"/>
               </a:ext>
             </a:extLst>
           </p:cNvPr>
@@ -4980,14 +4922,17 @@
         </p:nvSpPr>
         <p:spPr>
           <a:xfrm>
-            <a:off x="7411969" y="4520146"/>
+            <a:off x="7019990" y="1390923"/>
             <a:ext cx="186152" cy="186152"/>
           </a:xfrm>
           <a:prstGeom prst="ellipse">
             <a:avLst/>
           </a:prstGeom>
           <a:solidFill>
-            <a:schemeClr val="accent2"/>
+            <a:schemeClr val="accent2">
+              <a:lumMod val="60000"/>
+              <a:lumOff val="40000"/>
+            </a:schemeClr>
           </a:solidFill>
         </p:spPr>
         <p:style>
@@ -5017,6 +4962,110 @@
       </p:sp>
       <p:sp>
         <p:nvSpPr>
+          <p:cNvPr id="51" name="Oval 50">
+            <a:extLst>
+              <a:ext uri="{FF2B5EF4-FFF2-40B4-BE49-F238E27FC236}">
+                <a16:creationId xmlns:a16="http://schemas.microsoft.com/office/drawing/2014/main" id="{F7B95374-FC11-685E-59E6-1434DB0F0D21}"/>
+              </a:ext>
+            </a:extLst>
+          </p:cNvPr>
+          <p:cNvSpPr/>
+          <p:nvPr/>
+        </p:nvSpPr>
+        <p:spPr>
+          <a:xfrm>
+            <a:off x="7838328" y="1389740"/>
+            <a:ext cx="186152" cy="186152"/>
+          </a:xfrm>
+          <a:prstGeom prst="ellipse">
+            <a:avLst/>
+          </a:prstGeom>
+          <a:solidFill>
+            <a:schemeClr val="accent2">
+              <a:lumMod val="60000"/>
+              <a:lumOff val="40000"/>
+            </a:schemeClr>
+          </a:solidFill>
+        </p:spPr>
+        <p:style>
+          <a:lnRef idx="2">
+            <a:schemeClr val="accent1">
+              <a:shade val="15000"/>
+            </a:schemeClr>
+          </a:lnRef>
+          <a:fillRef idx="1">
+            <a:schemeClr val="accent1"/>
+          </a:fillRef>
+          <a:effectRef idx="0">
+            <a:schemeClr val="accent1"/>
+          </a:effectRef>
+          <a:fontRef idx="minor">
+            <a:schemeClr val="lt1"/>
+          </a:fontRef>
+        </p:style>
+        <p:txBody>
+          <a:bodyPr rtlCol="0" anchor="ctr"/>
+          <a:lstStyle/>
+          <a:p>
+            <a:pPr algn="ctr"/>
+            <a:endParaRPr lang="en-US"/>
+          </a:p>
+        </p:txBody>
+      </p:sp>
+      <p:sp>
+        <p:nvSpPr>
+          <p:cNvPr id="52" name="Oval 51">
+            <a:extLst>
+              <a:ext uri="{FF2B5EF4-FFF2-40B4-BE49-F238E27FC236}">
+                <a16:creationId xmlns:a16="http://schemas.microsoft.com/office/drawing/2014/main" id="{8C115295-F0DA-FAB6-67FF-6F66757A1ECD}"/>
+              </a:ext>
+            </a:extLst>
+          </p:cNvPr>
+          <p:cNvSpPr/>
+          <p:nvPr/>
+        </p:nvSpPr>
+        <p:spPr>
+          <a:xfrm>
+            <a:off x="7411969" y="4520146"/>
+            <a:ext cx="186152" cy="186152"/>
+          </a:xfrm>
+          <a:prstGeom prst="ellipse">
+            <a:avLst/>
+          </a:prstGeom>
+          <a:solidFill>
+            <a:schemeClr val="accent2">
+              <a:lumMod val="60000"/>
+              <a:lumOff val="40000"/>
+            </a:schemeClr>
+          </a:solidFill>
+        </p:spPr>
+        <p:style>
+          <a:lnRef idx="2">
+            <a:schemeClr val="accent1">
+              <a:shade val="15000"/>
+            </a:schemeClr>
+          </a:lnRef>
+          <a:fillRef idx="1">
+            <a:schemeClr val="accent1"/>
+          </a:fillRef>
+          <a:effectRef idx="0">
+            <a:schemeClr val="accent1"/>
+          </a:effectRef>
+          <a:fontRef idx="minor">
+            <a:schemeClr val="lt1"/>
+          </a:fontRef>
+        </p:style>
+        <p:txBody>
+          <a:bodyPr rtlCol="0" anchor="ctr"/>
+          <a:lstStyle/>
+          <a:p>
+            <a:pPr algn="ctr"/>
+            <a:endParaRPr lang="en-US"/>
+          </a:p>
+        </p:txBody>
+      </p:sp>
+      <p:sp>
+        <p:nvSpPr>
           <p:cNvPr id="53" name="Oval 52">
             <a:extLst>
               <a:ext uri="{FF2B5EF4-FFF2-40B4-BE49-F238E27FC236}">
@@ -5036,7 +5085,9 @@
             <a:avLst/>
           </a:prstGeom>
           <a:solidFill>
-            <a:schemeClr val="accent1"/>
+            <a:schemeClr val="accent4">
+              <a:lumMod val="50000"/>
+            </a:schemeClr>
           </a:solidFill>
         </p:spPr>
         <p:style>

--- a/Figures/MergeCluster/ConstK.pptx
+++ b/Figures/MergeCluster/ConstK.pptx
@@ -208,7 +208,7 @@
           <a:p>
             <a:fld id="{FE4DCF00-3990-0448-82D8-96AFC5DCA7B6}" type="datetimeFigureOut">
               <a:rPr lang="en-US" smtClean="0"/>
-              <a:t>2/29/24</a:t>
+              <a:t>3/5/24</a:t>
             </a:fld>
             <a:endParaRPr lang="en-US"/>
           </a:p>
@@ -706,7 +706,7 @@
           <a:p>
             <a:fld id="{A998DA84-98B5-DD46-882D-8C2847B204BE}" type="datetimeFigureOut">
               <a:rPr lang="en-US" smtClean="0"/>
-              <a:t>2/29/24</a:t>
+              <a:t>3/5/24</a:t>
             </a:fld>
             <a:endParaRPr lang="en-US"/>
           </a:p>
@@ -904,7 +904,7 @@
           <a:p>
             <a:fld id="{A998DA84-98B5-DD46-882D-8C2847B204BE}" type="datetimeFigureOut">
               <a:rPr lang="en-US" smtClean="0"/>
-              <a:t>2/29/24</a:t>
+              <a:t>3/5/24</a:t>
             </a:fld>
             <a:endParaRPr lang="en-US"/>
           </a:p>
@@ -1112,7 +1112,7 @@
           <a:p>
             <a:fld id="{A998DA84-98B5-DD46-882D-8C2847B204BE}" type="datetimeFigureOut">
               <a:rPr lang="en-US" smtClean="0"/>
-              <a:t>2/29/24</a:t>
+              <a:t>3/5/24</a:t>
             </a:fld>
             <a:endParaRPr lang="en-US"/>
           </a:p>
@@ -1310,7 +1310,7 @@
           <a:p>
             <a:fld id="{A998DA84-98B5-DD46-882D-8C2847B204BE}" type="datetimeFigureOut">
               <a:rPr lang="en-US" smtClean="0"/>
-              <a:t>2/29/24</a:t>
+              <a:t>3/5/24</a:t>
             </a:fld>
             <a:endParaRPr lang="en-US"/>
           </a:p>
@@ -1585,7 +1585,7 @@
           <a:p>
             <a:fld id="{A998DA84-98B5-DD46-882D-8C2847B204BE}" type="datetimeFigureOut">
               <a:rPr lang="en-US" smtClean="0"/>
-              <a:t>2/29/24</a:t>
+              <a:t>3/5/24</a:t>
             </a:fld>
             <a:endParaRPr lang="en-US"/>
           </a:p>
@@ -1850,7 +1850,7 @@
           <a:p>
             <a:fld id="{A998DA84-98B5-DD46-882D-8C2847B204BE}" type="datetimeFigureOut">
               <a:rPr lang="en-US" smtClean="0"/>
-              <a:t>2/29/24</a:t>
+              <a:t>3/5/24</a:t>
             </a:fld>
             <a:endParaRPr lang="en-US"/>
           </a:p>
@@ -2262,7 +2262,7 @@
           <a:p>
             <a:fld id="{A998DA84-98B5-DD46-882D-8C2847B204BE}" type="datetimeFigureOut">
               <a:rPr lang="en-US" smtClean="0"/>
-              <a:t>2/29/24</a:t>
+              <a:t>3/5/24</a:t>
             </a:fld>
             <a:endParaRPr lang="en-US"/>
           </a:p>
@@ -2403,7 +2403,7 @@
           <a:p>
             <a:fld id="{A998DA84-98B5-DD46-882D-8C2847B204BE}" type="datetimeFigureOut">
               <a:rPr lang="en-US" smtClean="0"/>
-              <a:t>2/29/24</a:t>
+              <a:t>3/5/24</a:t>
             </a:fld>
             <a:endParaRPr lang="en-US"/>
           </a:p>
@@ -2516,7 +2516,7 @@
           <a:p>
             <a:fld id="{A998DA84-98B5-DD46-882D-8C2847B204BE}" type="datetimeFigureOut">
               <a:rPr lang="en-US" smtClean="0"/>
-              <a:t>2/29/24</a:t>
+              <a:t>3/5/24</a:t>
             </a:fld>
             <a:endParaRPr lang="en-US"/>
           </a:p>
@@ -2827,7 +2827,7 @@
           <a:p>
             <a:fld id="{A998DA84-98B5-DD46-882D-8C2847B204BE}" type="datetimeFigureOut">
               <a:rPr lang="en-US" smtClean="0"/>
-              <a:t>2/29/24</a:t>
+              <a:t>3/5/24</a:t>
             </a:fld>
             <a:endParaRPr lang="en-US"/>
           </a:p>
@@ -3115,7 +3115,7 @@
           <a:p>
             <a:fld id="{A998DA84-98B5-DD46-882D-8C2847B204BE}" type="datetimeFigureOut">
               <a:rPr lang="en-US" smtClean="0"/>
-              <a:t>2/29/24</a:t>
+              <a:t>3/5/24</a:t>
             </a:fld>
             <a:endParaRPr lang="en-US"/>
           </a:p>
@@ -3356,7 +3356,7 @@
           <a:p>
             <a:fld id="{A998DA84-98B5-DD46-882D-8C2847B204BE}" type="datetimeFigureOut">
               <a:rPr lang="en-US" smtClean="0"/>
-              <a:t>2/29/24</a:t>
+              <a:t>3/5/24</a:t>
             </a:fld>
             <a:endParaRPr lang="en-US"/>
           </a:p>
@@ -4456,8 +4456,8 @@
         </p:nvSpPr>
         <p:spPr>
           <a:xfrm>
-            <a:off x="5272543" y="2361625"/>
-            <a:ext cx="759311" cy="461665"/>
+            <a:off x="5272543" y="1958852"/>
+            <a:ext cx="759311" cy="830997"/>
           </a:xfrm>
           <a:prstGeom prst="rect">
             <a:avLst/>
@@ -4472,10 +4472,10 @@
           <a:p>
             <a:pPr algn="ctr"/>
             <a:r>
-              <a:rPr lang="en-US" sz="1200" dirty="0"/>
+              <a:rPr lang="en-US" sz="1600" dirty="0"/>
               <a:t>Const-K-Merge</a:t>
             </a:r>
-            <a:endParaRPr lang="en-US" sz="1200" baseline="-25000" dirty="0"/>
+            <a:endParaRPr lang="en-US" sz="1600" baseline="-25000" dirty="0"/>
           </a:p>
         </p:txBody>
       </p:sp>
@@ -4581,8 +4581,8 @@
         </p:nvSpPr>
         <p:spPr>
           <a:xfrm>
-            <a:off x="2505794" y="2877020"/>
-            <a:ext cx="898013" cy="646331"/>
+            <a:off x="2429592" y="2877020"/>
+            <a:ext cx="1217120" cy="584775"/>
           </a:xfrm>
           <a:prstGeom prst="rect">
             <a:avLst/>
@@ -4597,18 +4597,18 @@
           <a:p>
             <a:pPr algn="ctr"/>
             <a:r>
-              <a:rPr lang="en-US" sz="1200" dirty="0"/>
+              <a:rPr lang="en-US" sz="1600" dirty="0"/>
               <a:t>Minimum </a:t>
             </a:r>
             <a:r>
-              <a:rPr lang="en-US" sz="1200" i="1" dirty="0"/>
+              <a:rPr lang="en-US" sz="1600" i="1" dirty="0"/>
               <a:t>K</a:t>
             </a:r>
             <a:r>
-              <a:rPr lang="en-US" sz="1200" dirty="0"/>
+              <a:rPr lang="en-US" sz="1600" dirty="0"/>
               <a:t> Distances</a:t>
             </a:r>
-            <a:endParaRPr lang="en-US" sz="1200" baseline="-25000" dirty="0"/>
+            <a:endParaRPr lang="en-US" sz="1600" baseline="-25000" dirty="0"/>
           </a:p>
         </p:txBody>
       </p:sp>
@@ -4624,17 +4624,18 @@
           <p:cNvCxnSpPr>
             <a:cxnSpLocks/>
             <a:stCxn id="30" idx="0"/>
+            <a:endCxn id="14" idx="4"/>
           </p:cNvCxnSpPr>
           <p:nvPr/>
         </p:nvCxnSpPr>
         <p:spPr>
           <a:xfrm rot="5400000" flipH="1" flipV="1">
-            <a:off x="2951321" y="1904042"/>
-            <a:ext cx="976458" cy="969498"/>
+            <a:off x="2979094" y="1931030"/>
+            <a:ext cx="1005049" cy="886932"/>
           </a:xfrm>
           <a:prstGeom prst="bentConnector3">
             <a:avLst>
-              <a:gd name="adj1" fmla="val 99870"/>
+              <a:gd name="adj1" fmla="val 99823"/>
             </a:avLst>
           </a:prstGeom>
           <a:ln>
@@ -4667,18 +4668,17 @@
           </p:cNvPr>
           <p:cNvCxnSpPr>
             <a:cxnSpLocks/>
+            <a:stCxn id="30" idx="2"/>
           </p:cNvCxnSpPr>
           <p:nvPr/>
         </p:nvCxnSpPr>
         <p:spPr>
           <a:xfrm rot="16200000" flipH="1">
-            <a:off x="3089590" y="3375862"/>
-            <a:ext cx="700117" cy="969694"/>
+            <a:off x="3106837" y="3393110"/>
+            <a:ext cx="748972" cy="886342"/>
           </a:xfrm>
-          <a:prstGeom prst="bentConnector3">
-            <a:avLst>
-              <a:gd name="adj1" fmla="val 100338"/>
-            </a:avLst>
+          <a:prstGeom prst="bentConnector2">
+            <a:avLst/>
           </a:prstGeom>
           <a:ln>
             <a:tailEnd type="triangle"/>

--- a/Figures/MergeCluster/ConstK.pptx
+++ b/Figures/MergeCluster/ConstK.pptx
@@ -208,7 +208,7 @@
           <a:p>
             <a:fld id="{FE4DCF00-3990-0448-82D8-96AFC5DCA7B6}" type="datetimeFigureOut">
               <a:rPr lang="en-US" smtClean="0"/>
-              <a:t>3/5/24</a:t>
+              <a:t>3/12/24</a:t>
             </a:fld>
             <a:endParaRPr lang="en-US"/>
           </a:p>
@@ -706,7 +706,7 @@
           <a:p>
             <a:fld id="{A998DA84-98B5-DD46-882D-8C2847B204BE}" type="datetimeFigureOut">
               <a:rPr lang="en-US" smtClean="0"/>
-              <a:t>3/5/24</a:t>
+              <a:t>3/12/24</a:t>
             </a:fld>
             <a:endParaRPr lang="en-US"/>
           </a:p>
@@ -904,7 +904,7 @@
           <a:p>
             <a:fld id="{A998DA84-98B5-DD46-882D-8C2847B204BE}" type="datetimeFigureOut">
               <a:rPr lang="en-US" smtClean="0"/>
-              <a:t>3/5/24</a:t>
+              <a:t>3/12/24</a:t>
             </a:fld>
             <a:endParaRPr lang="en-US"/>
           </a:p>
@@ -1112,7 +1112,7 @@
           <a:p>
             <a:fld id="{A998DA84-98B5-DD46-882D-8C2847B204BE}" type="datetimeFigureOut">
               <a:rPr lang="en-US" smtClean="0"/>
-              <a:t>3/5/24</a:t>
+              <a:t>3/12/24</a:t>
             </a:fld>
             <a:endParaRPr lang="en-US"/>
           </a:p>
@@ -1310,7 +1310,7 @@
           <a:p>
             <a:fld id="{A998DA84-98B5-DD46-882D-8C2847B204BE}" type="datetimeFigureOut">
               <a:rPr lang="en-US" smtClean="0"/>
-              <a:t>3/5/24</a:t>
+              <a:t>3/12/24</a:t>
             </a:fld>
             <a:endParaRPr lang="en-US"/>
           </a:p>
@@ -1585,7 +1585,7 @@
           <a:p>
             <a:fld id="{A998DA84-98B5-DD46-882D-8C2847B204BE}" type="datetimeFigureOut">
               <a:rPr lang="en-US" smtClean="0"/>
-              <a:t>3/5/24</a:t>
+              <a:t>3/12/24</a:t>
             </a:fld>
             <a:endParaRPr lang="en-US"/>
           </a:p>
@@ -1850,7 +1850,7 @@
           <a:p>
             <a:fld id="{A998DA84-98B5-DD46-882D-8C2847B204BE}" type="datetimeFigureOut">
               <a:rPr lang="en-US" smtClean="0"/>
-              <a:t>3/5/24</a:t>
+              <a:t>3/12/24</a:t>
             </a:fld>
             <a:endParaRPr lang="en-US"/>
           </a:p>
@@ -2262,7 +2262,7 @@
           <a:p>
             <a:fld id="{A998DA84-98B5-DD46-882D-8C2847B204BE}" type="datetimeFigureOut">
               <a:rPr lang="en-US" smtClean="0"/>
-              <a:t>3/5/24</a:t>
+              <a:t>3/12/24</a:t>
             </a:fld>
             <a:endParaRPr lang="en-US"/>
           </a:p>
@@ -2403,7 +2403,7 @@
           <a:p>
             <a:fld id="{A998DA84-98B5-DD46-882D-8C2847B204BE}" type="datetimeFigureOut">
               <a:rPr lang="en-US" smtClean="0"/>
-              <a:t>3/5/24</a:t>
+              <a:t>3/12/24</a:t>
             </a:fld>
             <a:endParaRPr lang="en-US"/>
           </a:p>
@@ -2516,7 +2516,7 @@
           <a:p>
             <a:fld id="{A998DA84-98B5-DD46-882D-8C2847B204BE}" type="datetimeFigureOut">
               <a:rPr lang="en-US" smtClean="0"/>
-              <a:t>3/5/24</a:t>
+              <a:t>3/12/24</a:t>
             </a:fld>
             <a:endParaRPr lang="en-US"/>
           </a:p>
@@ -2827,7 +2827,7 @@
           <a:p>
             <a:fld id="{A998DA84-98B5-DD46-882D-8C2847B204BE}" type="datetimeFigureOut">
               <a:rPr lang="en-US" smtClean="0"/>
-              <a:t>3/5/24</a:t>
+              <a:t>3/12/24</a:t>
             </a:fld>
             <a:endParaRPr lang="en-US"/>
           </a:p>
@@ -3115,7 +3115,7 @@
           <a:p>
             <a:fld id="{A998DA84-98B5-DD46-882D-8C2847B204BE}" type="datetimeFigureOut">
               <a:rPr lang="en-US" smtClean="0"/>
-              <a:t>3/5/24</a:t>
+              <a:t>3/12/24</a:t>
             </a:fld>
             <a:endParaRPr lang="en-US"/>
           </a:p>
@@ -3356,7 +3356,7 @@
           <a:p>
             <a:fld id="{A998DA84-98B5-DD46-882D-8C2847B204BE}" type="datetimeFigureOut">
               <a:rPr lang="en-US" smtClean="0"/>
-              <a:t>3/5/24</a:t>
+              <a:t>3/12/24</a:t>
             </a:fld>
             <a:endParaRPr lang="en-US"/>
           </a:p>
@@ -3895,7 +3895,7 @@
         <p:spPr>
           <a:xfrm>
             <a:off x="3097958" y="1938956"/>
-            <a:ext cx="1658679" cy="776177"/>
+            <a:ext cx="1600200" cy="776177"/>
           </a:xfrm>
           <a:prstGeom prst="ellipse">
             <a:avLst/>
@@ -3929,7 +3929,7 @@
           <a:lstStyle/>
           <a:p>
             <a:pPr algn="ctr"/>
-            <a:endParaRPr lang="en-US"/>
+            <a:endParaRPr lang="en-US" dirty="0"/>
           </a:p>
         </p:txBody>
       </p:sp>
@@ -3948,7 +3948,7 @@
         <p:spPr>
           <a:xfrm>
             <a:off x="3095744" y="1095794"/>
-            <a:ext cx="1658679" cy="776177"/>
+            <a:ext cx="1600200" cy="776177"/>
           </a:xfrm>
           <a:prstGeom prst="ellipse">
             <a:avLst/>
@@ -3983,7 +3983,7 @@
           <a:lstStyle/>
           <a:p>
             <a:pPr algn="ctr"/>
-            <a:endParaRPr lang="en-US"/>
+            <a:endParaRPr lang="en-US" dirty="0"/>
           </a:p>
         </p:txBody>
       </p:sp>
@@ -4360,7 +4360,7 @@
         </p:nvSpPr>
         <p:spPr>
           <a:xfrm rot="5400000">
-            <a:off x="5346055" y="1657652"/>
+            <a:off x="4935238" y="1657652"/>
             <a:ext cx="4114800" cy="2743200"/>
           </a:xfrm>
           <a:prstGeom prst="rect">
@@ -4411,7 +4411,7 @@
         <p:spPr>
           <a:xfrm>
             <a:off x="5260769" y="2787219"/>
-            <a:ext cx="759311" cy="320634"/>
+            <a:ext cx="360269" cy="320634"/>
           </a:xfrm>
           <a:prstGeom prst="rightArrow">
             <a:avLst/>
@@ -4419,15 +4419,15 @@
         </p:spPr>
         <p:style>
           <a:lnRef idx="2">
-            <a:schemeClr val="accent1">
+            <a:schemeClr val="dk1">
               <a:shade val="15000"/>
             </a:schemeClr>
           </a:lnRef>
           <a:fillRef idx="1">
-            <a:schemeClr val="accent1"/>
+            <a:schemeClr val="dk1"/>
           </a:fillRef>
           <a:effectRef idx="0">
-            <a:schemeClr val="accent1"/>
+            <a:schemeClr val="dk1"/>
           </a:effectRef>
           <a:fontRef idx="minor">
             <a:schemeClr val="lt1"/>
@@ -4455,9 +4455,9 @@
           <p:nvPr/>
         </p:nvSpPr>
         <p:spPr>
-          <a:xfrm>
-            <a:off x="5272543" y="1958852"/>
-            <a:ext cx="759311" cy="830997"/>
+          <a:xfrm rot="16200000">
+            <a:off x="4532481" y="1694870"/>
+            <a:ext cx="1815367" cy="369332"/>
           </a:xfrm>
           <a:prstGeom prst="rect">
             <a:avLst/>
@@ -4472,10 +4472,10 @@
           <a:p>
             <a:pPr algn="ctr"/>
             <a:r>
-              <a:rPr lang="en-US" sz="1600" dirty="0"/>
+              <a:rPr lang="en-US" dirty="0"/>
               <a:t>Const-K-Merge</a:t>
             </a:r>
-            <a:endParaRPr lang="en-US" sz="1600" baseline="-25000" dirty="0"/>
+            <a:endParaRPr lang="en-US" baseline="-25000" dirty="0"/>
           </a:p>
         </p:txBody>
       </p:sp>
@@ -4581,8 +4581,8 @@
         </p:nvSpPr>
         <p:spPr>
           <a:xfrm>
-            <a:off x="2429592" y="2877020"/>
-            <a:ext cx="1217120" cy="584775"/>
+            <a:off x="2429592" y="2659304"/>
+            <a:ext cx="1212258" cy="923330"/>
           </a:xfrm>
           <a:prstGeom prst="rect">
             <a:avLst/>
@@ -4597,18 +4597,18 @@
           <a:p>
             <a:pPr algn="ctr"/>
             <a:r>
-              <a:rPr lang="en-US" sz="1600" dirty="0"/>
+              <a:rPr lang="en-US" dirty="0"/>
               <a:t>Minimum </a:t>
             </a:r>
             <a:r>
-              <a:rPr lang="en-US" sz="1600" i="1" dirty="0"/>
+              <a:rPr lang="en-US" i="1" dirty="0"/>
               <a:t>K</a:t>
             </a:r>
             <a:r>
-              <a:rPr lang="en-US" sz="1600" dirty="0"/>
+              <a:rPr lang="en-US" dirty="0"/>
               <a:t> Distances</a:t>
             </a:r>
-            <a:endParaRPr lang="en-US" sz="1600" baseline="-25000" dirty="0"/>
+            <a:endParaRPr lang="en-US" baseline="-25000" dirty="0"/>
           </a:p>
         </p:txBody>
       </p:sp>
@@ -4624,19 +4624,16 @@
           <p:cNvCxnSpPr>
             <a:cxnSpLocks/>
             <a:stCxn id="30" idx="0"/>
-            <a:endCxn id="14" idx="4"/>
           </p:cNvCxnSpPr>
           <p:nvPr/>
         </p:nvCxnSpPr>
         <p:spPr>
           <a:xfrm rot="5400000" flipH="1" flipV="1">
-            <a:off x="2979094" y="1931030"/>
-            <a:ext cx="1005049" cy="886932"/>
+            <a:off x="3106130" y="1840941"/>
+            <a:ext cx="747954" cy="888772"/>
           </a:xfrm>
-          <a:prstGeom prst="bentConnector3">
-            <a:avLst>
-              <a:gd name="adj1" fmla="val 99823"/>
-            </a:avLst>
+          <a:prstGeom prst="bentConnector2">
+            <a:avLst/>
           </a:prstGeom>
           <a:ln>
             <a:tailEnd type="triangle"/>
@@ -4669,16 +4666,19 @@
           <p:cNvCxnSpPr>
             <a:cxnSpLocks/>
             <a:stCxn id="30" idx="2"/>
+            <a:endCxn id="16" idx="0"/>
           </p:cNvCxnSpPr>
           <p:nvPr/>
         </p:nvCxnSpPr>
         <p:spPr>
           <a:xfrm rot="16200000" flipH="1">
-            <a:off x="3106837" y="3393110"/>
-            <a:ext cx="748972" cy="886342"/>
+            <a:off x="3159691" y="3458664"/>
+            <a:ext cx="640834" cy="888774"/>
           </a:xfrm>
-          <a:prstGeom prst="bentConnector2">
-            <a:avLst/>
+          <a:prstGeom prst="bentConnector3">
+            <a:avLst>
+              <a:gd name="adj1" fmla="val 100536"/>
+            </a:avLst>
           </a:prstGeom>
           <a:ln>
             <a:tailEnd type="triangle"/>
@@ -4713,7 +4713,7 @@
         </p:nvSpPr>
         <p:spPr>
           <a:xfrm>
-            <a:off x="7065281" y="3423466"/>
+            <a:off x="6654464" y="3423466"/>
             <a:ext cx="878774" cy="1562564"/>
           </a:xfrm>
           <a:prstGeom prst="ellipse">
@@ -4766,7 +4766,7 @@
         </p:nvSpPr>
         <p:spPr>
           <a:xfrm>
-            <a:off x="6675917" y="1095794"/>
+            <a:off x="6265100" y="1095794"/>
             <a:ext cx="1658679" cy="1619339"/>
           </a:xfrm>
           <a:prstGeom prst="ellipse">
@@ -4820,7 +4820,7 @@
         </p:nvSpPr>
         <p:spPr>
           <a:xfrm>
-            <a:off x="6927915" y="2230467"/>
+            <a:off x="6517098" y="2230467"/>
             <a:ext cx="186152" cy="186152"/>
           </a:xfrm>
           <a:prstGeom prst="ellipse">
@@ -4871,7 +4871,7 @@
         </p:nvSpPr>
         <p:spPr>
           <a:xfrm>
-            <a:off x="7895478" y="2229284"/>
+            <a:off x="7484661" y="2229284"/>
             <a:ext cx="186152" cy="186152"/>
           </a:xfrm>
           <a:prstGeom prst="ellipse">
@@ -4922,7 +4922,7 @@
         </p:nvSpPr>
         <p:spPr>
           <a:xfrm>
-            <a:off x="7019990" y="1390923"/>
+            <a:off x="6609173" y="1390923"/>
             <a:ext cx="186152" cy="186152"/>
           </a:xfrm>
           <a:prstGeom prst="ellipse">
@@ -4974,7 +4974,7 @@
         </p:nvSpPr>
         <p:spPr>
           <a:xfrm>
-            <a:off x="7838328" y="1389740"/>
+            <a:off x="7427511" y="1389740"/>
             <a:ext cx="186152" cy="186152"/>
           </a:xfrm>
           <a:prstGeom prst="ellipse">
@@ -5026,7 +5026,7 @@
         </p:nvSpPr>
         <p:spPr>
           <a:xfrm>
-            <a:off x="7411969" y="4520146"/>
+            <a:off x="7001152" y="4520146"/>
             <a:ext cx="186152" cy="186152"/>
           </a:xfrm>
           <a:prstGeom prst="ellipse">
@@ -5078,7 +5078,7 @@
         </p:nvSpPr>
         <p:spPr>
           <a:xfrm>
-            <a:off x="7411969" y="3718699"/>
+            <a:off x="7001152" y="3718699"/>
             <a:ext cx="186152" cy="186152"/>
           </a:xfrm>
           <a:prstGeom prst="ellipse">

--- a/Figures/MergeCluster/ConstK.pptx
+++ b/Figures/MergeCluster/ConstK.pptx
@@ -208,7 +208,7 @@
           <a:p>
             <a:fld id="{FE4DCF00-3990-0448-82D8-96AFC5DCA7B6}" type="datetimeFigureOut">
               <a:rPr lang="en-US" smtClean="0"/>
-              <a:t>3/12/24</a:t>
+              <a:t>3/15/24</a:t>
             </a:fld>
             <a:endParaRPr lang="en-US"/>
           </a:p>
@@ -706,7 +706,7 @@
           <a:p>
             <a:fld id="{A998DA84-98B5-DD46-882D-8C2847B204BE}" type="datetimeFigureOut">
               <a:rPr lang="en-US" smtClean="0"/>
-              <a:t>3/12/24</a:t>
+              <a:t>3/15/24</a:t>
             </a:fld>
             <a:endParaRPr lang="en-US"/>
           </a:p>
@@ -904,7 +904,7 @@
           <a:p>
             <a:fld id="{A998DA84-98B5-DD46-882D-8C2847B204BE}" type="datetimeFigureOut">
               <a:rPr lang="en-US" smtClean="0"/>
-              <a:t>3/12/24</a:t>
+              <a:t>3/15/24</a:t>
             </a:fld>
             <a:endParaRPr lang="en-US"/>
           </a:p>
@@ -1112,7 +1112,7 @@
           <a:p>
             <a:fld id="{A998DA84-98B5-DD46-882D-8C2847B204BE}" type="datetimeFigureOut">
               <a:rPr lang="en-US" smtClean="0"/>
-              <a:t>3/12/24</a:t>
+              <a:t>3/15/24</a:t>
             </a:fld>
             <a:endParaRPr lang="en-US"/>
           </a:p>
@@ -1310,7 +1310,7 @@
           <a:p>
             <a:fld id="{A998DA84-98B5-DD46-882D-8C2847B204BE}" type="datetimeFigureOut">
               <a:rPr lang="en-US" smtClean="0"/>
-              <a:t>3/12/24</a:t>
+              <a:t>3/15/24</a:t>
             </a:fld>
             <a:endParaRPr lang="en-US"/>
           </a:p>
@@ -1585,7 +1585,7 @@
           <a:p>
             <a:fld id="{A998DA84-98B5-DD46-882D-8C2847B204BE}" type="datetimeFigureOut">
               <a:rPr lang="en-US" smtClean="0"/>
-              <a:t>3/12/24</a:t>
+              <a:t>3/15/24</a:t>
             </a:fld>
             <a:endParaRPr lang="en-US"/>
           </a:p>
@@ -1850,7 +1850,7 @@
           <a:p>
             <a:fld id="{A998DA84-98B5-DD46-882D-8C2847B204BE}" type="datetimeFigureOut">
               <a:rPr lang="en-US" smtClean="0"/>
-              <a:t>3/12/24</a:t>
+              <a:t>3/15/24</a:t>
             </a:fld>
             <a:endParaRPr lang="en-US"/>
           </a:p>
@@ -2262,7 +2262,7 @@
           <a:p>
             <a:fld id="{A998DA84-98B5-DD46-882D-8C2847B204BE}" type="datetimeFigureOut">
               <a:rPr lang="en-US" smtClean="0"/>
-              <a:t>3/12/24</a:t>
+              <a:t>3/15/24</a:t>
             </a:fld>
             <a:endParaRPr lang="en-US"/>
           </a:p>
@@ -2403,7 +2403,7 @@
           <a:p>
             <a:fld id="{A998DA84-98B5-DD46-882D-8C2847B204BE}" type="datetimeFigureOut">
               <a:rPr lang="en-US" smtClean="0"/>
-              <a:t>3/12/24</a:t>
+              <a:t>3/15/24</a:t>
             </a:fld>
             <a:endParaRPr lang="en-US"/>
           </a:p>
@@ -2516,7 +2516,7 @@
           <a:p>
             <a:fld id="{A998DA84-98B5-DD46-882D-8C2847B204BE}" type="datetimeFigureOut">
               <a:rPr lang="en-US" smtClean="0"/>
-              <a:t>3/12/24</a:t>
+              <a:t>3/15/24</a:t>
             </a:fld>
             <a:endParaRPr lang="en-US"/>
           </a:p>
@@ -2827,7 +2827,7 @@
           <a:p>
             <a:fld id="{A998DA84-98B5-DD46-882D-8C2847B204BE}" type="datetimeFigureOut">
               <a:rPr lang="en-US" smtClean="0"/>
-              <a:t>3/12/24</a:t>
+              <a:t>3/15/24</a:t>
             </a:fld>
             <a:endParaRPr lang="en-US"/>
           </a:p>
@@ -3115,7 +3115,7 @@
           <a:p>
             <a:fld id="{A998DA84-98B5-DD46-882D-8C2847B204BE}" type="datetimeFigureOut">
               <a:rPr lang="en-US" smtClean="0"/>
-              <a:t>3/12/24</a:t>
+              <a:t>3/15/24</a:t>
             </a:fld>
             <a:endParaRPr lang="en-US"/>
           </a:p>
@@ -3356,7 +3356,7 @@
           <a:p>
             <a:fld id="{A998DA84-98B5-DD46-882D-8C2847B204BE}" type="datetimeFigureOut">
               <a:rPr lang="en-US" smtClean="0"/>
-              <a:t>3/12/24</a:t>
+              <a:t>3/15/24</a:t>
             </a:fld>
             <a:endParaRPr lang="en-US"/>
           </a:p>
@@ -4473,7 +4473,15 @@
             <a:pPr algn="ctr"/>
             <a:r>
               <a:rPr lang="en-US" dirty="0"/>
-              <a:t>Const-K-Merge</a:t>
+              <a:t>Const-</a:t>
+            </a:r>
+            <a:r>
+              <a:rPr lang="en-US" i="1" dirty="0"/>
+              <a:t>k</a:t>
+            </a:r>
+            <a:r>
+              <a:rPr lang="en-US" dirty="0"/>
+              <a:t>-Merge</a:t>
             </a:r>
             <a:endParaRPr lang="en-US" baseline="-25000" dirty="0"/>
           </a:p>
@@ -4602,7 +4610,7 @@
             </a:r>
             <a:r>
               <a:rPr lang="en-US" i="1" dirty="0"/>
-              <a:t>K</a:t>
+              <a:t>k</a:t>
             </a:r>
             <a:r>
               <a:rPr lang="en-US" dirty="0"/>
@@ -4677,7 +4685,7 @@
           </a:xfrm>
           <a:prstGeom prst="bentConnector3">
             <a:avLst>
-              <a:gd name="adj1" fmla="val 100536"/>
+              <a:gd name="adj1" fmla="val 50000"/>
             </a:avLst>
           </a:prstGeom>
           <a:ln>

--- a/Figures/MergeCluster/ConstK.pptx
+++ b/Figures/MergeCluster/ConstK.pptx
@@ -208,7 +208,7 @@
           <a:p>
             <a:fld id="{FE4DCF00-3990-0448-82D8-96AFC5DCA7B6}" type="datetimeFigureOut">
               <a:rPr lang="en-US" smtClean="0"/>
-              <a:t>3/15/24</a:t>
+              <a:t>3/25/24</a:t>
             </a:fld>
             <a:endParaRPr lang="en-US"/>
           </a:p>
@@ -706,7 +706,7 @@
           <a:p>
             <a:fld id="{A998DA84-98B5-DD46-882D-8C2847B204BE}" type="datetimeFigureOut">
               <a:rPr lang="en-US" smtClean="0"/>
-              <a:t>3/15/24</a:t>
+              <a:t>3/25/24</a:t>
             </a:fld>
             <a:endParaRPr lang="en-US"/>
           </a:p>
@@ -904,7 +904,7 @@
           <a:p>
             <a:fld id="{A998DA84-98B5-DD46-882D-8C2847B204BE}" type="datetimeFigureOut">
               <a:rPr lang="en-US" smtClean="0"/>
-              <a:t>3/15/24</a:t>
+              <a:t>3/25/24</a:t>
             </a:fld>
             <a:endParaRPr lang="en-US"/>
           </a:p>
@@ -1112,7 +1112,7 @@
           <a:p>
             <a:fld id="{A998DA84-98B5-DD46-882D-8C2847B204BE}" type="datetimeFigureOut">
               <a:rPr lang="en-US" smtClean="0"/>
-              <a:t>3/15/24</a:t>
+              <a:t>3/25/24</a:t>
             </a:fld>
             <a:endParaRPr lang="en-US"/>
           </a:p>
@@ -1310,7 +1310,7 @@
           <a:p>
             <a:fld id="{A998DA84-98B5-DD46-882D-8C2847B204BE}" type="datetimeFigureOut">
               <a:rPr lang="en-US" smtClean="0"/>
-              <a:t>3/15/24</a:t>
+              <a:t>3/25/24</a:t>
             </a:fld>
             <a:endParaRPr lang="en-US"/>
           </a:p>
@@ -1585,7 +1585,7 @@
           <a:p>
             <a:fld id="{A998DA84-98B5-DD46-882D-8C2847B204BE}" type="datetimeFigureOut">
               <a:rPr lang="en-US" smtClean="0"/>
-              <a:t>3/15/24</a:t>
+              <a:t>3/25/24</a:t>
             </a:fld>
             <a:endParaRPr lang="en-US"/>
           </a:p>
@@ -1850,7 +1850,7 @@
           <a:p>
             <a:fld id="{A998DA84-98B5-DD46-882D-8C2847B204BE}" type="datetimeFigureOut">
               <a:rPr lang="en-US" smtClean="0"/>
-              <a:t>3/15/24</a:t>
+              <a:t>3/25/24</a:t>
             </a:fld>
             <a:endParaRPr lang="en-US"/>
           </a:p>
@@ -2262,7 +2262,7 @@
           <a:p>
             <a:fld id="{A998DA84-98B5-DD46-882D-8C2847B204BE}" type="datetimeFigureOut">
               <a:rPr lang="en-US" smtClean="0"/>
-              <a:t>3/15/24</a:t>
+              <a:t>3/25/24</a:t>
             </a:fld>
             <a:endParaRPr lang="en-US"/>
           </a:p>
@@ -2403,7 +2403,7 @@
           <a:p>
             <a:fld id="{A998DA84-98B5-DD46-882D-8C2847B204BE}" type="datetimeFigureOut">
               <a:rPr lang="en-US" smtClean="0"/>
-              <a:t>3/15/24</a:t>
+              <a:t>3/25/24</a:t>
             </a:fld>
             <a:endParaRPr lang="en-US"/>
           </a:p>
@@ -2516,7 +2516,7 @@
           <a:p>
             <a:fld id="{A998DA84-98B5-DD46-882D-8C2847B204BE}" type="datetimeFigureOut">
               <a:rPr lang="en-US" smtClean="0"/>
-              <a:t>3/15/24</a:t>
+              <a:t>3/25/24</a:t>
             </a:fld>
             <a:endParaRPr lang="en-US"/>
           </a:p>
@@ -2827,7 +2827,7 @@
           <a:p>
             <a:fld id="{A998DA84-98B5-DD46-882D-8C2847B204BE}" type="datetimeFigureOut">
               <a:rPr lang="en-US" smtClean="0"/>
-              <a:t>3/15/24</a:t>
+              <a:t>3/25/24</a:t>
             </a:fld>
             <a:endParaRPr lang="en-US"/>
           </a:p>
@@ -3115,7 +3115,7 @@
           <a:p>
             <a:fld id="{A998DA84-98B5-DD46-882D-8C2847B204BE}" type="datetimeFigureOut">
               <a:rPr lang="en-US" smtClean="0"/>
-              <a:t>3/15/24</a:t>
+              <a:t>3/25/24</a:t>
             </a:fld>
             <a:endParaRPr lang="en-US"/>
           </a:p>
@@ -3356,7 +3356,7 @@
           <a:p>
             <a:fld id="{A998DA84-98B5-DD46-882D-8C2847B204BE}" type="datetimeFigureOut">
               <a:rPr lang="en-US" smtClean="0"/>
-              <a:t>3/15/24</a:t>
+              <a:t>3/25/24</a:t>
             </a:fld>
             <a:endParaRPr lang="en-US"/>
           </a:p>
@@ -4685,7 +4685,7 @@
           </a:xfrm>
           <a:prstGeom prst="bentConnector3">
             <a:avLst>
-              <a:gd name="adj1" fmla="val 50000"/>
+              <a:gd name="adj1" fmla="val 100960"/>
             </a:avLst>
           </a:prstGeom>
           <a:ln>
